--- a/Presentation.pptx
+++ b/Presentation.pptx
@@ -12,7 +12,15 @@
     <p:sldId id="262" r:id="rId6"/>
     <p:sldId id="263" r:id="rId7"/>
     <p:sldId id="264" r:id="rId8"/>
-    <p:sldId id="265" r:id="rId9"/>
+    <p:sldId id="266" r:id="rId9"/>
+    <p:sldId id="267" r:id="rId10"/>
+    <p:sldId id="271" r:id="rId11"/>
+    <p:sldId id="268" r:id="rId12"/>
+    <p:sldId id="270" r:id="rId13"/>
+    <p:sldId id="272" r:id="rId14"/>
+    <p:sldId id="269" r:id="rId15"/>
+    <p:sldId id="273" r:id="rId16"/>
+    <p:sldId id="265" r:id="rId17"/>
   </p:sldIdLst>
   <p:sldSz cx="12192000" cy="6858000"/>
   <p:notesSz cx="6858000" cy="9144000"/>
@@ -111,6 +119,11 @@
       </a:defRPr>
     </a:lvl9pPr>
   </p:defaultTextStyle>
+  <p:extLst>
+    <p:ext uri="{EFAFB233-063F-42B5-8137-9DF3F51BA10A}">
+      <p15:sldGuideLst xmlns:p15="http://schemas.microsoft.com/office/powerpoint/2012/main"/>
+    </p:ext>
+  </p:extLst>
 </p:presentation>
 </file>
 
@@ -606,7 +619,7 @@
           </a:lstStyle>
           <a:p>
             <a:r>
-              <a:rPr lang="en-US" smtClean="0"/>
+              <a:rPr lang="en-US"/>
               <a:t>Click to edit Master title style</a:t>
             </a:r>
             <a:endParaRPr lang="en-US" dirty="0"/>
@@ -723,7 +736,7 @@
           </a:lstStyle>
           <a:p>
             <a:r>
-              <a:rPr lang="en-US" smtClean="0"/>
+              <a:rPr lang="en-US"/>
               <a:t>Click to edit Master subtitle style</a:t>
             </a:r>
             <a:endParaRPr lang="en-US" dirty="0"/>
@@ -761,7 +774,7 @@
             <a:fld id="{5923F103-BC34-4FE4-A40E-EDDEECFDA5D0}" type="datetimeFigureOut">
               <a:rPr lang="en-US" smtClean="0"/>
               <a:pPr/>
-              <a:t>4/23/2017</a:t>
+              <a:t>4/26/2017</a:t>
             </a:fld>
             <a:endParaRPr lang="en-US" dirty="0"/>
           </a:p>
@@ -796,7 +809,7 @@
           </a:lstStyle>
           <a:p>
             <a:r>
-              <a:rPr lang="en-US" smtClean="0"/>
+              <a:rPr lang="en-US"/>
               <a:t>
               </a:t>
             </a:r>
@@ -1713,7 +1726,7 @@
           </a:lstStyle>
           <a:p>
             <a:r>
-              <a:rPr lang="en-US" smtClean="0"/>
+              <a:rPr lang="en-US"/>
               <a:t>Click to edit Master title style</a:t>
             </a:r>
             <a:endParaRPr lang="en-US" dirty="0"/>
@@ -1792,7 +1805,7 @@
           </a:lstStyle>
           <a:p>
             <a:r>
-              <a:rPr lang="en-US" smtClean="0"/>
+              <a:rPr lang="en-US"/>
               <a:t>Click icon to add picture</a:t>
             </a:r>
             <a:endParaRPr lang="en-US" dirty="0"/>
@@ -1864,7 +1877,7 @@
           <a:p>
             <a:pPr lvl="0"/>
             <a:r>
-              <a:rPr lang="en-US" smtClean="0"/>
+              <a:rPr lang="en-US"/>
               <a:t>Edit Master text styles</a:t>
             </a:r>
           </a:p>
@@ -1887,7 +1900,7 @@
           <a:p>
             <a:fld id="{923A1CC3-2375-41D4-9E03-427CAF2A4C1A}" type="datetimeFigureOut">
               <a:rPr lang="en-US" smtClean="0"/>
-              <a:t>4/23/2017</a:t>
+              <a:t>4/26/2017</a:t>
             </a:fld>
             <a:endParaRPr lang="en-US" dirty="0"/>
           </a:p>
@@ -1909,7 +1922,7 @@
           <a:lstStyle/>
           <a:p>
             <a:r>
-              <a:rPr lang="en-US" smtClean="0"/>
+              <a:rPr lang="en-US"/>
               <a:t>
               </a:t>
             </a:r>
@@ -2813,7 +2826,7 @@
           </a:lstStyle>
           <a:p>
             <a:r>
-              <a:rPr lang="en-US" smtClean="0"/>
+              <a:rPr lang="en-US"/>
               <a:t>Click to edit Master title style</a:t>
             </a:r>
             <a:endParaRPr lang="en-US" dirty="0"/>
@@ -2881,7 +2894,7 @@
           <a:p>
             <a:pPr lvl="0"/>
             <a:r>
-              <a:rPr lang="en-US" smtClean="0"/>
+              <a:rPr lang="en-US"/>
               <a:t>Edit Master text styles</a:t>
             </a:r>
           </a:p>
@@ -2904,7 +2917,7 @@
           <a:p>
             <a:fld id="{AFF16868-8199-4C2C-A5B1-63AEE139F88E}" type="datetimeFigureOut">
               <a:rPr lang="en-US" smtClean="0"/>
-              <a:t>4/23/2017</a:t>
+              <a:t>4/26/2017</a:t>
             </a:fld>
             <a:endParaRPr lang="en-US" dirty="0"/>
           </a:p>
@@ -2926,7 +2939,7 @@
           <a:lstStyle/>
           <a:p>
             <a:r>
-              <a:rPr lang="en-US" smtClean="0"/>
+              <a:rPr lang="en-US"/>
               <a:t>
               </a:t>
             </a:r>
@@ -3916,7 +3929,7 @@
           </a:lstStyle>
           <a:p>
             <a:r>
-              <a:rPr lang="en-US" smtClean="0"/>
+              <a:rPr lang="en-US"/>
               <a:t>Click to edit Master title style</a:t>
             </a:r>
             <a:endParaRPr lang="en-US" dirty="0"/>
@@ -3990,7 +4003,7 @@
           <a:p>
             <a:pPr lvl="0"/>
             <a:r>
-              <a:rPr lang="en-US" smtClean="0"/>
+              <a:rPr lang="en-US"/>
               <a:t>Edit Master text styles</a:t>
             </a:r>
           </a:p>
@@ -4057,7 +4070,7 @@
           <a:p>
             <a:pPr lvl="0"/>
             <a:r>
-              <a:rPr lang="en-US" smtClean="0"/>
+              <a:rPr lang="en-US"/>
               <a:t>Edit Master text styles</a:t>
             </a:r>
           </a:p>
@@ -4080,7 +4093,7 @@
           <a:p>
             <a:fld id="{AAD9FF7F-6988-44CC-821B-644E70CD2F73}" type="datetimeFigureOut">
               <a:rPr lang="en-US" smtClean="0"/>
-              <a:t>4/23/2017</a:t>
+              <a:t>4/26/2017</a:t>
             </a:fld>
             <a:endParaRPr lang="en-US" dirty="0"/>
           </a:p>
@@ -4102,7 +4115,7 @@
           <a:lstStyle/>
           <a:p>
             <a:r>
-              <a:rPr lang="en-US" smtClean="0"/>
+              <a:rPr lang="en-US"/>
               <a:t>
               </a:t>
             </a:r>
@@ -5006,7 +5019,7 @@
           </a:lstStyle>
           <a:p>
             <a:r>
-              <a:rPr lang="en-US" smtClean="0"/>
+              <a:rPr lang="en-US"/>
               <a:t>Click to edit Master title style</a:t>
             </a:r>
             <a:endParaRPr lang="en-US" dirty="0"/>
@@ -5124,7 +5137,7 @@
           <a:p>
             <a:pPr lvl="0"/>
             <a:r>
-              <a:rPr lang="en-US" smtClean="0"/>
+              <a:rPr lang="en-US"/>
               <a:t>Edit Master text styles</a:t>
             </a:r>
           </a:p>
@@ -5147,7 +5160,7 @@
           <a:p>
             <a:fld id="{5C12C299-16B2-4475-990D-751901EACC14}" type="datetimeFigureOut">
               <a:rPr lang="en-US" smtClean="0"/>
-              <a:t>4/23/2017</a:t>
+              <a:t>4/26/2017</a:t>
             </a:fld>
             <a:endParaRPr lang="en-US" dirty="0"/>
           </a:p>
@@ -5169,7 +5182,7 @@
           <a:lstStyle/>
           <a:p>
             <a:r>
-              <a:rPr lang="en-US" smtClean="0"/>
+              <a:rPr lang="en-US"/>
               <a:t>
               </a:t>
             </a:r>
@@ -5287,7 +5300,7 @@
           </a:lstStyle>
           <a:p>
             <a:r>
-              <a:rPr lang="en-US" smtClean="0"/>
+              <a:rPr lang="en-US"/>
               <a:t>Click to edit Master title style</a:t>
             </a:r>
             <a:endParaRPr lang="en-US" dirty="0"/>
@@ -5359,7 +5372,7 @@
           <a:p>
             <a:pPr lvl="0"/>
             <a:r>
-              <a:rPr lang="en-US" smtClean="0"/>
+              <a:rPr lang="en-US"/>
               <a:t>Edit Master text styles</a:t>
             </a:r>
           </a:p>
@@ -5426,7 +5439,7 @@
           <a:p>
             <a:pPr lvl="0"/>
             <a:r>
-              <a:rPr lang="en-US" smtClean="0"/>
+              <a:rPr lang="en-US"/>
               <a:t>Edit Master text styles</a:t>
             </a:r>
           </a:p>
@@ -5497,7 +5510,7 @@
           <a:p>
             <a:pPr lvl="0"/>
             <a:r>
-              <a:rPr lang="en-US" smtClean="0"/>
+              <a:rPr lang="en-US"/>
               <a:t>Edit Master text styles</a:t>
             </a:r>
           </a:p>
@@ -5564,7 +5577,7 @@
           <a:p>
             <a:pPr lvl="0"/>
             <a:r>
-              <a:rPr lang="en-US" smtClean="0"/>
+              <a:rPr lang="en-US"/>
               <a:t>Edit Master text styles</a:t>
             </a:r>
           </a:p>
@@ -5635,7 +5648,7 @@
           <a:p>
             <a:pPr lvl="0"/>
             <a:r>
-              <a:rPr lang="en-US" smtClean="0"/>
+              <a:rPr lang="en-US"/>
               <a:t>Edit Master text styles</a:t>
             </a:r>
           </a:p>
@@ -5702,7 +5715,7 @@
           <a:p>
             <a:pPr lvl="0"/>
             <a:r>
-              <a:rPr lang="en-US" smtClean="0"/>
+              <a:rPr lang="en-US"/>
               <a:t>Edit Master text styles</a:t>
             </a:r>
           </a:p>
@@ -5799,7 +5812,7 @@
           <a:p>
             <a:fld id="{9FE86839-B9D8-4651-8783-F325ECE74E65}" type="datetimeFigureOut">
               <a:rPr lang="en-US" smtClean="0"/>
-              <a:t>4/23/2017</a:t>
+              <a:t>4/26/2017</a:t>
             </a:fld>
             <a:endParaRPr lang="en-US" dirty="0"/>
           </a:p>
@@ -5821,7 +5834,7 @@
           <a:lstStyle/>
           <a:p>
             <a:r>
-              <a:rPr lang="en-US" smtClean="0"/>
+              <a:rPr lang="en-US"/>
               <a:t>
               </a:t>
             </a:r>
@@ -5903,7 +5916,7 @@
           </a:lstStyle>
           <a:p>
             <a:r>
-              <a:rPr lang="en-US" smtClean="0"/>
+              <a:rPr lang="en-US"/>
               <a:t>Click to edit Master title style</a:t>
             </a:r>
             <a:endParaRPr lang="en-US" dirty="0"/>
@@ -5975,7 +5988,7 @@
           <a:p>
             <a:pPr lvl="0"/>
             <a:r>
-              <a:rPr lang="en-US" smtClean="0"/>
+              <a:rPr lang="en-US"/>
               <a:t>Edit Master text styles</a:t>
             </a:r>
           </a:p>
@@ -6053,7 +6066,7 @@
           </a:lstStyle>
           <a:p>
             <a:r>
-              <a:rPr lang="en-US" smtClean="0"/>
+              <a:rPr lang="en-US"/>
               <a:t>Click icon to add picture</a:t>
             </a:r>
             <a:endParaRPr lang="en-US" dirty="0"/>
@@ -6121,7 +6134,7 @@
           <a:p>
             <a:pPr lvl="0"/>
             <a:r>
-              <a:rPr lang="en-US" smtClean="0"/>
+              <a:rPr lang="en-US"/>
               <a:t>Edit Master text styles</a:t>
             </a:r>
           </a:p>
@@ -6192,7 +6205,7 @@
           <a:p>
             <a:pPr lvl="0"/>
             <a:r>
-              <a:rPr lang="en-US" smtClean="0"/>
+              <a:rPr lang="en-US"/>
               <a:t>Edit Master text styles</a:t>
             </a:r>
           </a:p>
@@ -6270,7 +6283,7 @@
           </a:lstStyle>
           <a:p>
             <a:r>
-              <a:rPr lang="en-US" smtClean="0"/>
+              <a:rPr lang="en-US"/>
               <a:t>Click icon to add picture</a:t>
             </a:r>
             <a:endParaRPr lang="en-US" dirty="0"/>
@@ -6338,7 +6351,7 @@
           <a:p>
             <a:pPr lvl="0"/>
             <a:r>
-              <a:rPr lang="en-US" smtClean="0"/>
+              <a:rPr lang="en-US"/>
               <a:t>Edit Master text styles</a:t>
             </a:r>
           </a:p>
@@ -6409,7 +6422,7 @@
           <a:p>
             <a:pPr lvl="0"/>
             <a:r>
-              <a:rPr lang="en-US" smtClean="0"/>
+              <a:rPr lang="en-US"/>
               <a:t>Edit Master text styles</a:t>
             </a:r>
           </a:p>
@@ -6487,7 +6500,7 @@
           </a:lstStyle>
           <a:p>
             <a:r>
-              <a:rPr lang="en-US" smtClean="0"/>
+              <a:rPr lang="en-US"/>
               <a:t>Click icon to add picture</a:t>
             </a:r>
             <a:endParaRPr lang="en-US" dirty="0"/>
@@ -6555,7 +6568,7 @@
           <a:p>
             <a:pPr lvl="0"/>
             <a:r>
-              <a:rPr lang="en-US" smtClean="0"/>
+              <a:rPr lang="en-US"/>
               <a:t>Edit Master text styles</a:t>
             </a:r>
           </a:p>
@@ -6652,7 +6665,7 @@
           <a:p>
             <a:fld id="{FD484F64-32F6-45C5-931F-ADC1662401D0}" type="datetimeFigureOut">
               <a:rPr lang="en-US" smtClean="0"/>
-              <a:t>4/23/2017</a:t>
+              <a:t>4/26/2017</a:t>
             </a:fld>
             <a:endParaRPr lang="en-US" dirty="0"/>
           </a:p>
@@ -6674,7 +6687,7 @@
           <a:lstStyle/>
           <a:p>
             <a:r>
-              <a:rPr lang="en-US" smtClean="0"/>
+              <a:rPr lang="en-US"/>
               <a:t>
               </a:t>
             </a:r>
@@ -6757,7 +6770,7 @@
           <a:lstStyle/>
           <a:p>
             <a:r>
-              <a:rPr lang="en-US" smtClean="0"/>
+              <a:rPr lang="en-US"/>
               <a:t>Click to edit Master title style</a:t>
             </a:r>
             <a:endParaRPr lang="en-US" dirty="0"/>
@@ -6781,35 +6794,35 @@
           <a:p>
             <a:pPr lvl="0"/>
             <a:r>
-              <a:rPr lang="en-US" smtClean="0"/>
+              <a:rPr lang="en-US"/>
               <a:t>Edit Master text styles</a:t>
             </a:r>
           </a:p>
           <a:p>
             <a:pPr lvl="1"/>
             <a:r>
-              <a:rPr lang="en-US" smtClean="0"/>
+              <a:rPr lang="en-US"/>
               <a:t>Second level</a:t>
             </a:r>
           </a:p>
           <a:p>
             <a:pPr lvl="2"/>
             <a:r>
-              <a:rPr lang="en-US" smtClean="0"/>
+              <a:rPr lang="en-US"/>
               <a:t>Third level</a:t>
             </a:r>
           </a:p>
           <a:p>
             <a:pPr lvl="3"/>
             <a:r>
-              <a:rPr lang="en-US" smtClean="0"/>
+              <a:rPr lang="en-US"/>
               <a:t>Fourth level</a:t>
             </a:r>
           </a:p>
           <a:p>
             <a:pPr lvl="4"/>
             <a:r>
-              <a:rPr lang="en-US" smtClean="0"/>
+              <a:rPr lang="en-US"/>
               <a:t>Fifth level</a:t>
             </a:r>
             <a:endParaRPr lang="en-US" dirty="0"/>
@@ -6833,7 +6846,7 @@
           <a:p>
             <a:fld id="{53086D93-FCAC-47E0-A2EE-787E62CA814C}" type="datetimeFigureOut">
               <a:rPr lang="en-US" smtClean="0"/>
-              <a:t>4/23/2017</a:t>
+              <a:t>4/26/2017</a:t>
             </a:fld>
             <a:endParaRPr lang="en-US" dirty="0"/>
           </a:p>
@@ -6855,7 +6868,7 @@
           <a:lstStyle/>
           <a:p>
             <a:r>
-              <a:rPr lang="en-US" smtClean="0"/>
+              <a:rPr lang="en-US"/>
               <a:t>
               </a:t>
             </a:r>
@@ -7756,7 +7769,7 @@
           <a:lstStyle/>
           <a:p>
             <a:r>
-              <a:rPr lang="en-US" smtClean="0"/>
+              <a:rPr lang="en-US"/>
               <a:t>Click to edit Master title style</a:t>
             </a:r>
             <a:endParaRPr lang="en-US" dirty="0"/>
@@ -7785,35 +7798,35 @@
           <a:p>
             <a:pPr lvl="0"/>
             <a:r>
-              <a:rPr lang="en-US" smtClean="0"/>
+              <a:rPr lang="en-US"/>
               <a:t>Edit Master text styles</a:t>
             </a:r>
           </a:p>
           <a:p>
             <a:pPr lvl="1"/>
             <a:r>
-              <a:rPr lang="en-US" smtClean="0"/>
+              <a:rPr lang="en-US"/>
               <a:t>Second level</a:t>
             </a:r>
           </a:p>
           <a:p>
             <a:pPr lvl="2"/>
             <a:r>
-              <a:rPr lang="en-US" smtClean="0"/>
+              <a:rPr lang="en-US"/>
               <a:t>Third level</a:t>
             </a:r>
           </a:p>
           <a:p>
             <a:pPr lvl="3"/>
             <a:r>
-              <a:rPr lang="en-US" smtClean="0"/>
+              <a:rPr lang="en-US"/>
               <a:t>Fourth level</a:t>
             </a:r>
           </a:p>
           <a:p>
             <a:pPr lvl="4"/>
             <a:r>
-              <a:rPr lang="en-US" smtClean="0"/>
+              <a:rPr lang="en-US"/>
               <a:t>Fifth level</a:t>
             </a:r>
             <a:endParaRPr lang="en-US" dirty="0"/>
@@ -7837,7 +7850,7 @@
           <a:p>
             <a:fld id="{CDA879A6-0FD0-4734-A311-86BFCA472E6E}" type="datetimeFigureOut">
               <a:rPr lang="en-US" smtClean="0"/>
-              <a:t>4/23/2017</a:t>
+              <a:t>4/26/2017</a:t>
             </a:fld>
             <a:endParaRPr lang="en-US" dirty="0"/>
           </a:p>
@@ -7859,7 +7872,7 @@
           <a:lstStyle/>
           <a:p>
             <a:r>
-              <a:rPr lang="en-US" smtClean="0"/>
+              <a:rPr lang="en-US"/>
               <a:t>
               </a:t>
             </a:r>
@@ -7973,7 +7986,7 @@
           <a:lstStyle/>
           <a:p>
             <a:r>
-              <a:rPr lang="en-US" smtClean="0"/>
+              <a:rPr lang="en-US"/>
               <a:t>Click to edit Master title style</a:t>
             </a:r>
             <a:endParaRPr lang="en-US" dirty="0"/>
@@ -7997,35 +8010,35 @@
           <a:p>
             <a:pPr lvl="0"/>
             <a:r>
-              <a:rPr lang="en-US" smtClean="0"/>
+              <a:rPr lang="en-US"/>
               <a:t>Edit Master text styles</a:t>
             </a:r>
           </a:p>
           <a:p>
             <a:pPr lvl="1"/>
             <a:r>
-              <a:rPr lang="en-US" smtClean="0"/>
+              <a:rPr lang="en-US"/>
               <a:t>Second level</a:t>
             </a:r>
           </a:p>
           <a:p>
             <a:pPr lvl="2"/>
             <a:r>
-              <a:rPr lang="en-US" smtClean="0"/>
+              <a:rPr lang="en-US"/>
               <a:t>Third level</a:t>
             </a:r>
           </a:p>
           <a:p>
             <a:pPr lvl="3"/>
             <a:r>
-              <a:rPr lang="en-US" smtClean="0"/>
+              <a:rPr lang="en-US"/>
               <a:t>Fourth level</a:t>
             </a:r>
           </a:p>
           <a:p>
             <a:pPr lvl="4"/>
             <a:r>
-              <a:rPr lang="en-US" smtClean="0"/>
+              <a:rPr lang="en-US"/>
               <a:t>Fifth level</a:t>
             </a:r>
             <a:endParaRPr lang="en-US" dirty="0"/>
@@ -8049,7 +8062,7 @@
           <a:p>
             <a:fld id="{19C9CA7B-DFD4-44B5-8C60-D14B8CD1FB59}" type="datetimeFigureOut">
               <a:rPr lang="en-US" smtClean="0"/>
-              <a:t>4/23/2017</a:t>
+              <a:t>4/26/2017</a:t>
             </a:fld>
             <a:endParaRPr lang="en-US" dirty="0"/>
           </a:p>
@@ -8071,7 +8084,7 @@
           <a:lstStyle/>
           <a:p>
             <a:r>
-              <a:rPr lang="en-US" smtClean="0"/>
+              <a:rPr lang="en-US"/>
               <a:t>
               </a:t>
             </a:r>
@@ -8976,7 +8989,7 @@
           </a:lstStyle>
           <a:p>
             <a:r>
-              <a:rPr lang="en-US" smtClean="0"/>
+              <a:rPr lang="en-US"/>
               <a:t>Click to edit Master title style</a:t>
             </a:r>
             <a:endParaRPr lang="en-US" dirty="0"/>
@@ -9094,7 +9107,7 @@
           <a:p>
             <a:pPr lvl="0"/>
             <a:r>
-              <a:rPr lang="en-US" smtClean="0"/>
+              <a:rPr lang="en-US"/>
               <a:t>Edit Master text styles</a:t>
             </a:r>
           </a:p>
@@ -9117,7 +9130,7 @@
           <a:p>
             <a:fld id="{F34E6425-0181-43F2-84FC-787E803FD2F8}" type="datetimeFigureOut">
               <a:rPr lang="en-US" smtClean="0"/>
-              <a:t>4/23/2017</a:t>
+              <a:t>4/26/2017</a:t>
             </a:fld>
             <a:endParaRPr lang="en-US" dirty="0"/>
           </a:p>
@@ -9139,7 +9152,7 @@
           <a:lstStyle/>
           <a:p>
             <a:r>
-              <a:rPr lang="en-US" smtClean="0"/>
+              <a:rPr lang="en-US"/>
               <a:t>
               </a:t>
             </a:r>
@@ -9253,7 +9266,7 @@
           <a:lstStyle/>
           <a:p>
             <a:r>
-              <a:rPr lang="en-US" smtClean="0"/>
+              <a:rPr lang="en-US"/>
               <a:t>Click to edit Master title style</a:t>
             </a:r>
             <a:endParaRPr lang="en-US" dirty="0"/>
@@ -9284,35 +9297,35 @@
           <a:p>
             <a:pPr lvl="0"/>
             <a:r>
-              <a:rPr lang="en-US" smtClean="0"/>
+              <a:rPr lang="en-US"/>
               <a:t>Edit Master text styles</a:t>
             </a:r>
           </a:p>
           <a:p>
             <a:pPr lvl="1"/>
             <a:r>
-              <a:rPr lang="en-US" smtClean="0"/>
+              <a:rPr lang="en-US"/>
               <a:t>Second level</a:t>
             </a:r>
           </a:p>
           <a:p>
             <a:pPr lvl="2"/>
             <a:r>
-              <a:rPr lang="en-US" smtClean="0"/>
+              <a:rPr lang="en-US"/>
               <a:t>Third level</a:t>
             </a:r>
           </a:p>
           <a:p>
             <a:pPr lvl="3"/>
             <a:r>
-              <a:rPr lang="en-US" smtClean="0"/>
+              <a:rPr lang="en-US"/>
               <a:t>Fourth level</a:t>
             </a:r>
           </a:p>
           <a:p>
             <a:pPr lvl="4"/>
             <a:r>
-              <a:rPr lang="en-US" smtClean="0"/>
+              <a:rPr lang="en-US"/>
               <a:t>Fifth level</a:t>
             </a:r>
             <a:endParaRPr lang="en-US" dirty="0"/>
@@ -9343,35 +9356,35 @@
           <a:p>
             <a:pPr lvl="0"/>
             <a:r>
-              <a:rPr lang="en-US" smtClean="0"/>
+              <a:rPr lang="en-US"/>
               <a:t>Edit Master text styles</a:t>
             </a:r>
           </a:p>
           <a:p>
             <a:pPr lvl="1"/>
             <a:r>
-              <a:rPr lang="en-US" smtClean="0"/>
+              <a:rPr lang="en-US"/>
               <a:t>Second level</a:t>
             </a:r>
           </a:p>
           <a:p>
             <a:pPr lvl="2"/>
             <a:r>
-              <a:rPr lang="en-US" smtClean="0"/>
+              <a:rPr lang="en-US"/>
               <a:t>Third level</a:t>
             </a:r>
           </a:p>
           <a:p>
             <a:pPr lvl="3"/>
             <a:r>
-              <a:rPr lang="en-US" smtClean="0"/>
+              <a:rPr lang="en-US"/>
               <a:t>Fourth level</a:t>
             </a:r>
           </a:p>
           <a:p>
             <a:pPr lvl="4"/>
             <a:r>
-              <a:rPr lang="en-US" smtClean="0"/>
+              <a:rPr lang="en-US"/>
               <a:t>Fifth level</a:t>
             </a:r>
             <a:endParaRPr lang="en-US" dirty="0"/>
@@ -9395,7 +9408,7 @@
           <a:p>
             <a:fld id="{3BDB8791-F1B0-41E7-B7FD-A781E65C4266}" type="datetimeFigureOut">
               <a:rPr lang="en-US" smtClean="0"/>
-              <a:t>4/23/2017</a:t>
+              <a:t>4/26/2017</a:t>
             </a:fld>
             <a:endParaRPr lang="en-US" dirty="0"/>
           </a:p>
@@ -9417,7 +9430,7 @@
           <a:lstStyle/>
           <a:p>
             <a:r>
-              <a:rPr lang="en-US" smtClean="0"/>
+              <a:rPr lang="en-US"/>
               <a:t>
               </a:t>
             </a:r>
@@ -9499,7 +9512,7 @@
           </a:lstStyle>
           <a:p>
             <a:r>
-              <a:rPr lang="en-US" smtClean="0"/>
+              <a:rPr lang="en-US"/>
               <a:t>Click to edit Master title style</a:t>
             </a:r>
             <a:endParaRPr lang="en-US" dirty="0"/>
@@ -9571,7 +9584,7 @@
           <a:p>
             <a:pPr lvl="0"/>
             <a:r>
-              <a:rPr lang="en-US" smtClean="0"/>
+              <a:rPr lang="en-US"/>
               <a:t>Edit Master text styles</a:t>
             </a:r>
           </a:p>
@@ -9601,35 +9614,35 @@
           <a:p>
             <a:pPr lvl="0"/>
             <a:r>
-              <a:rPr lang="en-US" smtClean="0"/>
+              <a:rPr lang="en-US"/>
               <a:t>Edit Master text styles</a:t>
             </a:r>
           </a:p>
           <a:p>
             <a:pPr lvl="1"/>
             <a:r>
-              <a:rPr lang="en-US" smtClean="0"/>
+              <a:rPr lang="en-US"/>
               <a:t>Second level</a:t>
             </a:r>
           </a:p>
           <a:p>
             <a:pPr lvl="2"/>
             <a:r>
-              <a:rPr lang="en-US" smtClean="0"/>
+              <a:rPr lang="en-US"/>
               <a:t>Third level</a:t>
             </a:r>
           </a:p>
           <a:p>
             <a:pPr lvl="3"/>
             <a:r>
-              <a:rPr lang="en-US" smtClean="0"/>
+              <a:rPr lang="en-US"/>
               <a:t>Fourth level</a:t>
             </a:r>
           </a:p>
           <a:p>
             <a:pPr lvl="4"/>
             <a:r>
-              <a:rPr lang="en-US" smtClean="0"/>
+              <a:rPr lang="en-US"/>
               <a:t>Fifth level</a:t>
             </a:r>
             <a:endParaRPr lang="en-US" dirty="0"/>
@@ -9701,7 +9714,7 @@
           <a:p>
             <a:pPr lvl="0"/>
             <a:r>
-              <a:rPr lang="en-US" smtClean="0"/>
+              <a:rPr lang="en-US"/>
               <a:t>Edit Master text styles</a:t>
             </a:r>
           </a:p>
@@ -9731,35 +9744,35 @@
           <a:p>
             <a:pPr lvl="0"/>
             <a:r>
-              <a:rPr lang="en-US" smtClean="0"/>
+              <a:rPr lang="en-US"/>
               <a:t>Edit Master text styles</a:t>
             </a:r>
           </a:p>
           <a:p>
             <a:pPr lvl="1"/>
             <a:r>
-              <a:rPr lang="en-US" smtClean="0"/>
+              <a:rPr lang="en-US"/>
               <a:t>Second level</a:t>
             </a:r>
           </a:p>
           <a:p>
             <a:pPr lvl="2"/>
             <a:r>
-              <a:rPr lang="en-US" smtClean="0"/>
+              <a:rPr lang="en-US"/>
               <a:t>Third level</a:t>
             </a:r>
           </a:p>
           <a:p>
             <a:pPr lvl="3"/>
             <a:r>
-              <a:rPr lang="en-US" smtClean="0"/>
+              <a:rPr lang="en-US"/>
               <a:t>Fourth level</a:t>
             </a:r>
           </a:p>
           <a:p>
             <a:pPr lvl="4"/>
             <a:r>
-              <a:rPr lang="en-US" smtClean="0"/>
+              <a:rPr lang="en-US"/>
               <a:t>Fifth level</a:t>
             </a:r>
             <a:endParaRPr lang="en-US" dirty="0"/>
@@ -9783,7 +9796,7 @@
           <a:p>
             <a:fld id="{5FDD63B2-E120-4ED8-B27B-C685F510A5FE}" type="datetimeFigureOut">
               <a:rPr lang="en-US" smtClean="0"/>
-              <a:t>4/23/2017</a:t>
+              <a:t>4/26/2017</a:t>
             </a:fld>
             <a:endParaRPr lang="en-US" dirty="0"/>
           </a:p>
@@ -9805,7 +9818,7 @@
           <a:lstStyle/>
           <a:p>
             <a:r>
-              <a:rPr lang="en-US" smtClean="0"/>
+              <a:rPr lang="en-US"/>
               <a:t>
               </a:t>
             </a:r>
@@ -9883,7 +9896,7 @@
           <a:lstStyle/>
           <a:p>
             <a:r>
-              <a:rPr lang="en-US" smtClean="0"/>
+              <a:rPr lang="en-US"/>
               <a:t>Click to edit Master title style</a:t>
             </a:r>
             <a:endParaRPr lang="en-US" dirty="0"/>
@@ -9907,7 +9920,7 @@
           <a:p>
             <a:fld id="{7AA18ACC-A947-437B-A130-35BD54FDF1E9}" type="datetimeFigureOut">
               <a:rPr lang="en-US" smtClean="0"/>
-              <a:t>4/23/2017</a:t>
+              <a:t>4/26/2017</a:t>
             </a:fld>
             <a:endParaRPr lang="en-US" dirty="0"/>
           </a:p>
@@ -9929,7 +9942,7 @@
           <a:lstStyle/>
           <a:p>
             <a:r>
-              <a:rPr lang="en-US" smtClean="0"/>
+              <a:rPr lang="en-US"/>
               <a:t>
               </a:t>
             </a:r>
@@ -10008,7 +10021,7 @@
           <a:p>
             <a:fld id="{7C8D7E02-BCB8-4D50-A234-369438C08659}" type="datetimeFigureOut">
               <a:rPr lang="en-US" smtClean="0"/>
-              <a:t>4/23/2017</a:t>
+              <a:t>4/26/2017</a:t>
             </a:fld>
             <a:endParaRPr lang="en-US" dirty="0"/>
           </a:p>
@@ -10030,7 +10043,7 @@
           <a:lstStyle/>
           <a:p>
             <a:r>
-              <a:rPr lang="en-US" smtClean="0"/>
+              <a:rPr lang="en-US"/>
               <a:t>
               </a:t>
             </a:r>
@@ -10971,7 +10984,7 @@
           </a:lstStyle>
           <a:p>
             <a:r>
-              <a:rPr lang="en-US" smtClean="0"/>
+              <a:rPr lang="en-US"/>
               <a:t>Click to edit Master title style</a:t>
             </a:r>
             <a:endParaRPr lang="en-US" dirty="0"/>
@@ -11002,35 +11015,35 @@
           <a:p>
             <a:pPr lvl="0"/>
             <a:r>
-              <a:rPr lang="en-US" smtClean="0"/>
+              <a:rPr lang="en-US"/>
               <a:t>Edit Master text styles</a:t>
             </a:r>
           </a:p>
           <a:p>
             <a:pPr lvl="1"/>
             <a:r>
-              <a:rPr lang="en-US" smtClean="0"/>
+              <a:rPr lang="en-US"/>
               <a:t>Second level</a:t>
             </a:r>
           </a:p>
           <a:p>
             <a:pPr lvl="2"/>
             <a:r>
-              <a:rPr lang="en-US" smtClean="0"/>
+              <a:rPr lang="en-US"/>
               <a:t>Third level</a:t>
             </a:r>
           </a:p>
           <a:p>
             <a:pPr lvl="3"/>
             <a:r>
-              <a:rPr lang="en-US" smtClean="0"/>
+              <a:rPr lang="en-US"/>
               <a:t>Fourth level</a:t>
             </a:r>
           </a:p>
           <a:p>
             <a:pPr lvl="4"/>
             <a:r>
-              <a:rPr lang="en-US" smtClean="0"/>
+              <a:rPr lang="en-US"/>
               <a:t>Fifth level</a:t>
             </a:r>
             <a:endParaRPr lang="en-US" dirty="0"/>
@@ -11100,7 +11113,7 @@
           <a:p>
             <a:pPr lvl="0"/>
             <a:r>
-              <a:rPr lang="en-US" smtClean="0"/>
+              <a:rPr lang="en-US"/>
               <a:t>Edit Master text styles</a:t>
             </a:r>
           </a:p>
@@ -11123,7 +11136,7 @@
           <a:p>
             <a:fld id="{76E86A4C-8E40-4F87-A4F0-01A0687C5742}" type="datetimeFigureOut">
               <a:rPr lang="en-US" smtClean="0"/>
-              <a:t>4/23/2017</a:t>
+              <a:t>4/26/2017</a:t>
             </a:fld>
             <a:endParaRPr lang="en-US" dirty="0"/>
           </a:p>
@@ -11145,7 +11158,7 @@
           <a:lstStyle/>
           <a:p>
             <a:r>
-              <a:rPr lang="en-US" smtClean="0"/>
+              <a:rPr lang="en-US"/>
               <a:t>
               </a:t>
             </a:r>
@@ -12088,7 +12101,7 @@
           </a:lstStyle>
           <a:p>
             <a:r>
-              <a:rPr lang="en-US" smtClean="0"/>
+              <a:rPr lang="en-US"/>
               <a:t>Click to edit Master title style</a:t>
             </a:r>
             <a:endParaRPr lang="en-US" dirty="0"/>
@@ -12167,7 +12180,7 @@
           </a:lstStyle>
           <a:p>
             <a:r>
-              <a:rPr lang="en-US" smtClean="0"/>
+              <a:rPr lang="en-US"/>
               <a:t>Click icon to add picture</a:t>
             </a:r>
             <a:endParaRPr lang="en-US" dirty="0"/>
@@ -12239,7 +12252,7 @@
           <a:p>
             <a:pPr lvl="0"/>
             <a:r>
-              <a:rPr lang="en-US" smtClean="0"/>
+              <a:rPr lang="en-US"/>
               <a:t>Edit Master text styles</a:t>
             </a:r>
           </a:p>
@@ -12262,7 +12275,7 @@
           <a:p>
             <a:fld id="{35E72C73-2D91-4E12-BA25-F0AA0C03599B}" type="datetimeFigureOut">
               <a:rPr lang="en-US" smtClean="0"/>
-              <a:t>4/23/2017</a:t>
+              <a:t>4/26/2017</a:t>
             </a:fld>
             <a:endParaRPr lang="en-US" dirty="0"/>
           </a:p>
@@ -12284,7 +12297,7 @@
           <a:lstStyle/>
           <a:p>
             <a:r>
-              <a:rPr lang="en-US" smtClean="0"/>
+              <a:rPr lang="en-US"/>
               <a:t>
               </a:t>
             </a:r>
@@ -13194,7 +13207,7 @@
           <a:lstStyle/>
           <a:p>
             <a:r>
-              <a:rPr lang="en-US" smtClean="0"/>
+              <a:rPr lang="en-US"/>
               <a:t>Click to edit Master title style</a:t>
             </a:r>
             <a:endParaRPr lang="en-US" dirty="0"/>
@@ -13228,35 +13241,35 @@
           <a:p>
             <a:pPr lvl="0"/>
             <a:r>
-              <a:rPr lang="en-US" smtClean="0"/>
+              <a:rPr lang="en-US"/>
               <a:t>Edit Master text styles</a:t>
             </a:r>
           </a:p>
           <a:p>
             <a:pPr lvl="1"/>
             <a:r>
-              <a:rPr lang="en-US" smtClean="0"/>
+              <a:rPr lang="en-US"/>
               <a:t>Second level</a:t>
             </a:r>
           </a:p>
           <a:p>
             <a:pPr lvl="2"/>
             <a:r>
-              <a:rPr lang="en-US" smtClean="0"/>
+              <a:rPr lang="en-US"/>
               <a:t>Third level</a:t>
             </a:r>
           </a:p>
           <a:p>
             <a:pPr lvl="3"/>
             <a:r>
-              <a:rPr lang="en-US" smtClean="0"/>
+              <a:rPr lang="en-US"/>
               <a:t>Fourth level</a:t>
             </a:r>
           </a:p>
           <a:p>
             <a:pPr lvl="4"/>
             <a:r>
-              <a:rPr lang="en-US" smtClean="0"/>
+              <a:rPr lang="en-US"/>
               <a:t>Fifth level</a:t>
             </a:r>
             <a:endParaRPr lang="en-US" dirty="0"/>
@@ -13296,7 +13309,7 @@
           <a:p>
             <a:fld id="{2BE451C3-0FF4-47C4-B829-773ADF60F88C}" type="datetimeFigureOut">
               <a:rPr lang="en-US" smtClean="0"/>
-              <a:t>4/23/2017</a:t>
+              <a:t>4/26/2017</a:t>
             </a:fld>
             <a:endParaRPr lang="en-US" dirty="0"/>
           </a:p>
@@ -13335,7 +13348,7 @@
           </a:lstStyle>
           <a:p>
             <a:r>
-              <a:rPr lang="en-US" smtClean="0"/>
+              <a:rPr lang="en-US"/>
               <a:t>
               </a:t>
             </a:r>
@@ -13880,10 +13893,9 @@
           <a:lstStyle/>
           <a:p>
             <a:r>
-              <a:rPr lang="en-US" dirty="0" smtClean="0"/>
+              <a:rPr lang="en-US" dirty="0"/>
               <a:t>IC-TOA</a:t>
             </a:r>
-            <a:endParaRPr lang="en-US" dirty="0"/>
           </a:p>
         </p:txBody>
       </p:sp>
@@ -13908,42 +13920,41 @@
           <a:lstStyle/>
           <a:p>
             <a:r>
-              <a:rPr lang="en-US" dirty="0" smtClean="0"/>
+              <a:rPr lang="en-US" dirty="0"/>
               <a:t>Chad Harris, Gabriel Gallagher, Elijah </a:t>
             </a:r>
             <a:r>
-              <a:rPr lang="en-US" dirty="0" err="1" smtClean="0"/>
+              <a:rPr lang="en-US" dirty="0" err="1"/>
               <a:t>molloy</a:t>
             </a:r>
             <a:r>
-              <a:rPr lang="en-US" dirty="0" smtClean="0"/>
+              <a:rPr lang="en-US" dirty="0"/>
               <a:t>, </a:t>
             </a:r>
             <a:r>
-              <a:rPr lang="en-US" dirty="0" err="1" smtClean="0"/>
+              <a:rPr lang="en-US" dirty="0" err="1"/>
               <a:t>sean</a:t>
             </a:r>
             <a:r>
-              <a:rPr lang="en-US" dirty="0" smtClean="0"/>
+              <a:rPr lang="en-US" dirty="0"/>
               <a:t> </a:t>
             </a:r>
             <a:r>
-              <a:rPr lang="en-US" dirty="0" err="1" smtClean="0"/>
+              <a:rPr lang="en-US" dirty="0" err="1"/>
               <a:t>barton</a:t>
             </a:r>
             <a:r>
-              <a:rPr lang="en-US" dirty="0" smtClean="0"/>
+              <a:rPr lang="en-US" dirty="0"/>
               <a:t>, &amp; </a:t>
             </a:r>
             <a:r>
-              <a:rPr lang="en-US" dirty="0" err="1" smtClean="0"/>
+              <a:rPr lang="en-US" dirty="0" err="1"/>
               <a:t>regina</a:t>
             </a:r>
             <a:r>
-              <a:rPr lang="en-US" dirty="0" smtClean="0"/>
+              <a:rPr lang="en-US" dirty="0"/>
               <a:t> burns</a:t>
             </a:r>
-            <a:endParaRPr lang="en-US" dirty="0"/>
           </a:p>
         </p:txBody>
       </p:sp>
@@ -13951,6 +13962,582 @@
     <p:extLst>
       <p:ext uri="{BB962C8B-B14F-4D97-AF65-F5344CB8AC3E}">
         <p14:creationId xmlns:p14="http://schemas.microsoft.com/office/powerpoint/2010/main" val="2846652987"/>
+      </p:ext>
+    </p:extLst>
+  </p:cSld>
+  <p:clrMapOvr>
+    <a:masterClrMapping/>
+  </p:clrMapOvr>
+</p:sld>
+</file>
+
+<file path=ppt/slides/slide10.xml><?xml version="1.0" encoding="utf-8"?>
+<p:sld xmlns:a="http://schemas.openxmlformats.org/drawingml/2006/main" xmlns:r="http://schemas.openxmlformats.org/officeDocument/2006/relationships" xmlns:p="http://schemas.openxmlformats.org/presentationml/2006/main">
+  <p:cSld>
+    <p:spTree>
+      <p:nvGrpSpPr>
+        <p:cNvPr id="1" name=""/>
+        <p:cNvGrpSpPr/>
+        <p:nvPr/>
+      </p:nvGrpSpPr>
+      <p:grpSpPr>
+        <a:xfrm>
+          <a:off x="0" y="0"/>
+          <a:ext cx="0" cy="0"/>
+          <a:chOff x="0" y="0"/>
+          <a:chExt cx="0" cy="0"/>
+        </a:xfrm>
+      </p:grpSpPr>
+      <p:sp>
+        <p:nvSpPr>
+          <p:cNvPr id="2" name="Title 1"/>
+          <p:cNvSpPr>
+            <a:spLocks noGrp="1"/>
+          </p:cNvSpPr>
+          <p:nvPr>
+            <p:ph type="title"/>
+          </p:nvPr>
+        </p:nvSpPr>
+        <p:spPr/>
+        <p:txBody>
+          <a:bodyPr/>
+          <a:lstStyle/>
+          <a:p>
+            <a:r>
+              <a:rPr lang="en-US" dirty="0"/>
+              <a:t>Example:</a:t>
+            </a:r>
+          </a:p>
+        </p:txBody>
+      </p:sp>
+      <p:pic>
+        <p:nvPicPr>
+          <p:cNvPr id="5" name="Content Placeholder 4"/>
+          <p:cNvPicPr>
+            <a:picLocks noGrp="1" noChangeAspect="1"/>
+          </p:cNvPicPr>
+          <p:nvPr>
+            <p:ph idx="1"/>
+          </p:nvPr>
+        </p:nvPicPr>
+        <p:blipFill>
+          <a:blip r:embed="rId2"/>
+          <a:stretch>
+            <a:fillRect/>
+          </a:stretch>
+        </p:blipFill>
+        <p:spPr>
+          <a:xfrm>
+            <a:off x="1155700" y="2758332"/>
+            <a:ext cx="8761413" cy="3106636"/>
+          </a:xfrm>
+        </p:spPr>
+      </p:pic>
+    </p:spTree>
+    <p:extLst>
+      <p:ext uri="{BB962C8B-B14F-4D97-AF65-F5344CB8AC3E}">
+        <p14:creationId xmlns:p14="http://schemas.microsoft.com/office/powerpoint/2010/main" val="2419706012"/>
+      </p:ext>
+    </p:extLst>
+  </p:cSld>
+  <p:clrMapOvr>
+    <a:masterClrMapping/>
+  </p:clrMapOvr>
+</p:sld>
+</file>
+
+<file path=ppt/slides/slide11.xml><?xml version="1.0" encoding="utf-8"?>
+<p:sld xmlns:a="http://schemas.openxmlformats.org/drawingml/2006/main" xmlns:r="http://schemas.openxmlformats.org/officeDocument/2006/relationships" xmlns:p="http://schemas.openxmlformats.org/presentationml/2006/main">
+  <p:cSld>
+    <p:spTree>
+      <p:nvGrpSpPr>
+        <p:cNvPr id="1" name=""/>
+        <p:cNvGrpSpPr/>
+        <p:nvPr/>
+      </p:nvGrpSpPr>
+      <p:grpSpPr>
+        <a:xfrm>
+          <a:off x="0" y="0"/>
+          <a:ext cx="0" cy="0"/>
+          <a:chOff x="0" y="0"/>
+          <a:chExt cx="0" cy="0"/>
+        </a:xfrm>
+      </p:grpSpPr>
+      <p:sp>
+        <p:nvSpPr>
+          <p:cNvPr id="2" name="Title 1"/>
+          <p:cNvSpPr>
+            <a:spLocks noGrp="1"/>
+          </p:cNvSpPr>
+          <p:nvPr>
+            <p:ph type="title"/>
+          </p:nvPr>
+        </p:nvSpPr>
+        <p:spPr/>
+        <p:txBody>
+          <a:bodyPr/>
+          <a:lstStyle/>
+          <a:p>
+            <a:r>
+              <a:rPr lang="en-US" dirty="0"/>
+              <a:t>Example:</a:t>
+            </a:r>
+          </a:p>
+        </p:txBody>
+      </p:sp>
+      <p:pic>
+        <p:nvPicPr>
+          <p:cNvPr id="6" name="Picture 5"/>
+          <p:cNvPicPr>
+            <a:picLocks noChangeAspect="1"/>
+          </p:cNvPicPr>
+          <p:nvPr/>
+        </p:nvPicPr>
+        <p:blipFill>
+          <a:blip r:embed="rId2"/>
+          <a:stretch>
+            <a:fillRect/>
+          </a:stretch>
+        </p:blipFill>
+        <p:spPr>
+          <a:xfrm>
+            <a:off x="2194117" y="2646930"/>
+            <a:ext cx="6837916" cy="3907380"/>
+          </a:xfrm>
+          <a:prstGeom prst="rect">
+            <a:avLst/>
+          </a:prstGeom>
+        </p:spPr>
+      </p:pic>
+    </p:spTree>
+    <p:extLst>
+      <p:ext uri="{BB962C8B-B14F-4D97-AF65-F5344CB8AC3E}">
+        <p14:creationId xmlns:p14="http://schemas.microsoft.com/office/powerpoint/2010/main" val="775174446"/>
+      </p:ext>
+    </p:extLst>
+  </p:cSld>
+  <p:clrMapOvr>
+    <a:masterClrMapping/>
+  </p:clrMapOvr>
+</p:sld>
+</file>
+
+<file path=ppt/slides/slide12.xml><?xml version="1.0" encoding="utf-8"?>
+<p:sld xmlns:a="http://schemas.openxmlformats.org/drawingml/2006/main" xmlns:r="http://schemas.openxmlformats.org/officeDocument/2006/relationships" xmlns:p="http://schemas.openxmlformats.org/presentationml/2006/main">
+  <p:cSld>
+    <p:spTree>
+      <p:nvGrpSpPr>
+        <p:cNvPr id="1" name=""/>
+        <p:cNvGrpSpPr/>
+        <p:nvPr/>
+      </p:nvGrpSpPr>
+      <p:grpSpPr>
+        <a:xfrm>
+          <a:off x="0" y="0"/>
+          <a:ext cx="0" cy="0"/>
+          <a:chOff x="0" y="0"/>
+          <a:chExt cx="0" cy="0"/>
+        </a:xfrm>
+      </p:grpSpPr>
+      <p:sp>
+        <p:nvSpPr>
+          <p:cNvPr id="2" name="Title 1"/>
+          <p:cNvSpPr>
+            <a:spLocks noGrp="1"/>
+          </p:cNvSpPr>
+          <p:nvPr>
+            <p:ph type="title"/>
+          </p:nvPr>
+        </p:nvSpPr>
+        <p:spPr/>
+        <p:txBody>
+          <a:bodyPr/>
+          <a:lstStyle/>
+          <a:p>
+            <a:r>
+              <a:rPr lang="en-US" dirty="0"/>
+              <a:t>Example:</a:t>
+            </a:r>
+          </a:p>
+        </p:txBody>
+      </p:sp>
+      <p:pic>
+        <p:nvPicPr>
+          <p:cNvPr id="4" name="Picture 3"/>
+          <p:cNvPicPr>
+            <a:picLocks noChangeAspect="1"/>
+          </p:cNvPicPr>
+          <p:nvPr/>
+        </p:nvPicPr>
+        <p:blipFill>
+          <a:blip r:embed="rId2"/>
+          <a:stretch>
+            <a:fillRect/>
+          </a:stretch>
+        </p:blipFill>
+        <p:spPr>
+          <a:xfrm>
+            <a:off x="811763" y="2786892"/>
+            <a:ext cx="10430495" cy="3222023"/>
+          </a:xfrm>
+          <a:prstGeom prst="rect">
+            <a:avLst/>
+          </a:prstGeom>
+        </p:spPr>
+      </p:pic>
+    </p:spTree>
+    <p:extLst>
+      <p:ext uri="{BB962C8B-B14F-4D97-AF65-F5344CB8AC3E}">
+        <p14:creationId xmlns:p14="http://schemas.microsoft.com/office/powerpoint/2010/main" val="3129818426"/>
+      </p:ext>
+    </p:extLst>
+  </p:cSld>
+  <p:clrMapOvr>
+    <a:masterClrMapping/>
+  </p:clrMapOvr>
+</p:sld>
+</file>
+
+<file path=ppt/slides/slide13.xml><?xml version="1.0" encoding="utf-8"?>
+<p:sld xmlns:a="http://schemas.openxmlformats.org/drawingml/2006/main" xmlns:r="http://schemas.openxmlformats.org/officeDocument/2006/relationships" xmlns:p="http://schemas.openxmlformats.org/presentationml/2006/main">
+  <p:cSld>
+    <p:spTree>
+      <p:nvGrpSpPr>
+        <p:cNvPr id="1" name=""/>
+        <p:cNvGrpSpPr/>
+        <p:nvPr/>
+      </p:nvGrpSpPr>
+      <p:grpSpPr>
+        <a:xfrm>
+          <a:off x="0" y="0"/>
+          <a:ext cx="0" cy="0"/>
+          <a:chOff x="0" y="0"/>
+          <a:chExt cx="0" cy="0"/>
+        </a:xfrm>
+      </p:grpSpPr>
+      <p:sp>
+        <p:nvSpPr>
+          <p:cNvPr id="2" name="Title 1"/>
+          <p:cNvSpPr>
+            <a:spLocks noGrp="1"/>
+          </p:cNvSpPr>
+          <p:nvPr>
+            <p:ph type="title"/>
+          </p:nvPr>
+        </p:nvSpPr>
+        <p:spPr/>
+        <p:txBody>
+          <a:bodyPr/>
+          <a:lstStyle/>
+          <a:p>
+            <a:r>
+              <a:rPr lang="en-US" dirty="0"/>
+              <a:t>Example</a:t>
+            </a:r>
+          </a:p>
+        </p:txBody>
+      </p:sp>
+      <p:pic>
+        <p:nvPicPr>
+          <p:cNvPr id="5" name="Content Placeholder 4"/>
+          <p:cNvPicPr>
+            <a:picLocks noGrp="1" noChangeAspect="1"/>
+          </p:cNvPicPr>
+          <p:nvPr>
+            <p:ph idx="1"/>
+          </p:nvPr>
+        </p:nvPicPr>
+        <p:blipFill>
+          <a:blip r:embed="rId2"/>
+          <a:stretch>
+            <a:fillRect/>
+          </a:stretch>
+        </p:blipFill>
+        <p:spPr>
+          <a:xfrm>
+            <a:off x="2015413" y="2603500"/>
+            <a:ext cx="7296538" cy="4042914"/>
+          </a:xfrm>
+        </p:spPr>
+      </p:pic>
+    </p:spTree>
+    <p:extLst>
+      <p:ext uri="{BB962C8B-B14F-4D97-AF65-F5344CB8AC3E}">
+        <p14:creationId xmlns:p14="http://schemas.microsoft.com/office/powerpoint/2010/main" val="2102039464"/>
+      </p:ext>
+    </p:extLst>
+  </p:cSld>
+  <p:clrMapOvr>
+    <a:masterClrMapping/>
+  </p:clrMapOvr>
+</p:sld>
+</file>
+
+<file path=ppt/slides/slide14.xml><?xml version="1.0" encoding="utf-8"?>
+<p:sld xmlns:a="http://schemas.openxmlformats.org/drawingml/2006/main" xmlns:r="http://schemas.openxmlformats.org/officeDocument/2006/relationships" xmlns:p="http://schemas.openxmlformats.org/presentationml/2006/main">
+  <p:cSld>
+    <p:spTree>
+      <p:nvGrpSpPr>
+        <p:cNvPr id="1" name=""/>
+        <p:cNvGrpSpPr/>
+        <p:nvPr/>
+      </p:nvGrpSpPr>
+      <p:grpSpPr>
+        <a:xfrm>
+          <a:off x="0" y="0"/>
+          <a:ext cx="0" cy="0"/>
+          <a:chOff x="0" y="0"/>
+          <a:chExt cx="0" cy="0"/>
+        </a:xfrm>
+      </p:grpSpPr>
+      <p:sp>
+        <p:nvSpPr>
+          <p:cNvPr id="2" name="Title 1"/>
+          <p:cNvSpPr>
+            <a:spLocks noGrp="1"/>
+          </p:cNvSpPr>
+          <p:nvPr>
+            <p:ph type="title"/>
+          </p:nvPr>
+        </p:nvSpPr>
+        <p:spPr/>
+        <p:txBody>
+          <a:bodyPr/>
+          <a:lstStyle/>
+          <a:p>
+            <a:r>
+              <a:rPr lang="en-US" dirty="0"/>
+              <a:t>2</a:t>
+            </a:r>
+            <a:r>
+              <a:rPr lang="en-US" baseline="30000" dirty="0"/>
+              <a:t>nd</a:t>
+            </a:r>
+            <a:r>
+              <a:rPr lang="en-US" dirty="0"/>
+              <a:t> Normal Form</a:t>
+            </a:r>
+          </a:p>
+        </p:txBody>
+      </p:sp>
+      <p:sp>
+        <p:nvSpPr>
+          <p:cNvPr id="3" name="Text Placeholder 2"/>
+          <p:cNvSpPr>
+            <a:spLocks noGrp="1"/>
+          </p:cNvSpPr>
+          <p:nvPr>
+            <p:ph type="body" idx="1"/>
+          </p:nvPr>
+        </p:nvSpPr>
+        <p:spPr/>
+        <p:txBody>
+          <a:bodyPr>
+            <a:normAutofit fontScale="92500" lnSpcReduction="20000"/>
+          </a:bodyPr>
+          <a:lstStyle/>
+          <a:p>
+            <a:pPr marL="342900" indent="-342900">
+              <a:buFont typeface="Wingdings 3" panose="05040102010807070707" pitchFamily="18" charset="2"/>
+              <a:buChar char="u"/>
+            </a:pPr>
+            <a:r>
+              <a:rPr lang="en-US" cap="none" dirty="0"/>
+              <a:t>Each cell must be Single Valued</a:t>
+            </a:r>
+          </a:p>
+          <a:p>
+            <a:pPr marL="342900" indent="-342900">
+              <a:buFont typeface="Wingdings 3" panose="05040102010807070707" pitchFamily="18" charset="2"/>
+              <a:buChar char="u"/>
+            </a:pPr>
+            <a:r>
+              <a:rPr lang="en-US" cap="none" dirty="0"/>
+              <a:t>Entries in a column must be same type</a:t>
+            </a:r>
+          </a:p>
+          <a:p>
+            <a:pPr marL="342900" indent="-342900">
+              <a:buFont typeface="Wingdings 3" panose="05040102010807070707" pitchFamily="18" charset="2"/>
+              <a:buChar char="u"/>
+            </a:pPr>
+            <a:r>
+              <a:rPr lang="en-US" cap="none" dirty="0"/>
+              <a:t>Rows Uniquely Identified</a:t>
+            </a:r>
+          </a:p>
+          <a:p>
+            <a:pPr marL="342900" indent="-342900">
+              <a:buClr>
+                <a:srgbClr val="FF0000"/>
+              </a:buClr>
+              <a:buFont typeface="Wingdings 3" panose="05040102010807070707" pitchFamily="18" charset="2"/>
+              <a:buChar char="u"/>
+            </a:pPr>
+            <a:r>
+              <a:rPr lang="en-US" cap="none" dirty="0">
+                <a:solidFill>
+                  <a:srgbClr val="FF0000"/>
+                </a:solidFill>
+              </a:rPr>
+              <a:t>Attributes dependent on non-primary category</a:t>
+            </a:r>
+          </a:p>
+        </p:txBody>
+      </p:sp>
+    </p:spTree>
+    <p:extLst>
+      <p:ext uri="{BB962C8B-B14F-4D97-AF65-F5344CB8AC3E}">
+        <p14:creationId xmlns:p14="http://schemas.microsoft.com/office/powerpoint/2010/main" val="334136050"/>
+      </p:ext>
+    </p:extLst>
+  </p:cSld>
+  <p:clrMapOvr>
+    <a:masterClrMapping/>
+  </p:clrMapOvr>
+</p:sld>
+</file>
+
+<file path=ppt/slides/slide15.xml><?xml version="1.0" encoding="utf-8"?>
+<p:sld xmlns:a="http://schemas.openxmlformats.org/drawingml/2006/main" xmlns:r="http://schemas.openxmlformats.org/officeDocument/2006/relationships" xmlns:p="http://schemas.openxmlformats.org/presentationml/2006/main">
+  <p:cSld>
+    <p:spTree>
+      <p:nvGrpSpPr>
+        <p:cNvPr id="1" name=""/>
+        <p:cNvGrpSpPr/>
+        <p:nvPr/>
+      </p:nvGrpSpPr>
+      <p:grpSpPr>
+        <a:xfrm>
+          <a:off x="0" y="0"/>
+          <a:ext cx="0" cy="0"/>
+          <a:chOff x="0" y="0"/>
+          <a:chExt cx="0" cy="0"/>
+        </a:xfrm>
+      </p:grpSpPr>
+      <p:sp>
+        <p:nvSpPr>
+          <p:cNvPr id="2" name="Title 1"/>
+          <p:cNvSpPr>
+            <a:spLocks noGrp="1"/>
+          </p:cNvSpPr>
+          <p:nvPr>
+            <p:ph type="title"/>
+          </p:nvPr>
+        </p:nvSpPr>
+        <p:spPr/>
+        <p:txBody>
+          <a:bodyPr/>
+          <a:lstStyle/>
+          <a:p>
+            <a:r>
+              <a:rPr lang="en-US" dirty="0"/>
+              <a:t>Weird Example:</a:t>
+            </a:r>
+          </a:p>
+        </p:txBody>
+      </p:sp>
+      <p:pic>
+        <p:nvPicPr>
+          <p:cNvPr id="5" name="Content Placeholder 4"/>
+          <p:cNvPicPr>
+            <a:picLocks noGrp="1" noChangeAspect="1"/>
+          </p:cNvPicPr>
+          <p:nvPr>
+            <p:ph idx="1"/>
+          </p:nvPr>
+        </p:nvPicPr>
+        <p:blipFill>
+          <a:blip r:embed="rId2"/>
+          <a:stretch>
+            <a:fillRect/>
+          </a:stretch>
+        </p:blipFill>
+        <p:spPr>
+          <a:xfrm>
+            <a:off x="1155700" y="3542117"/>
+            <a:ext cx="8761413" cy="1539066"/>
+          </a:xfrm>
+        </p:spPr>
+      </p:pic>
+    </p:spTree>
+    <p:extLst>
+      <p:ext uri="{BB962C8B-B14F-4D97-AF65-F5344CB8AC3E}">
+        <p14:creationId xmlns:p14="http://schemas.microsoft.com/office/powerpoint/2010/main" val="1719133984"/>
+      </p:ext>
+    </p:extLst>
+  </p:cSld>
+  <p:clrMapOvr>
+    <a:masterClrMapping/>
+  </p:clrMapOvr>
+</p:sld>
+</file>
+
+<file path=ppt/slides/slide16.xml><?xml version="1.0" encoding="utf-8"?>
+<p:sld xmlns:a="http://schemas.openxmlformats.org/drawingml/2006/main" xmlns:r="http://schemas.openxmlformats.org/officeDocument/2006/relationships" xmlns:p="http://schemas.openxmlformats.org/presentationml/2006/main">
+  <p:cSld>
+    <p:spTree>
+      <p:nvGrpSpPr>
+        <p:cNvPr id="1" name=""/>
+        <p:cNvGrpSpPr/>
+        <p:nvPr/>
+      </p:nvGrpSpPr>
+      <p:grpSpPr>
+        <a:xfrm>
+          <a:off x="0" y="0"/>
+          <a:ext cx="0" cy="0"/>
+          <a:chOff x="0" y="0"/>
+          <a:chExt cx="0" cy="0"/>
+        </a:xfrm>
+      </p:grpSpPr>
+      <p:sp>
+        <p:nvSpPr>
+          <p:cNvPr id="2" name="Title 1"/>
+          <p:cNvSpPr>
+            <a:spLocks noGrp="1"/>
+          </p:cNvSpPr>
+          <p:nvPr>
+            <p:ph type="ctrTitle"/>
+          </p:nvPr>
+        </p:nvSpPr>
+        <p:spPr/>
+        <p:txBody>
+          <a:bodyPr/>
+          <a:lstStyle/>
+          <a:p>
+            <a:r>
+              <a:rPr lang="en-US" dirty="0"/>
+              <a:t>Conclusion</a:t>
+            </a:r>
+          </a:p>
+        </p:txBody>
+      </p:sp>
+      <p:sp>
+        <p:nvSpPr>
+          <p:cNvPr id="3" name="Subtitle 2"/>
+          <p:cNvSpPr>
+            <a:spLocks noGrp="1"/>
+          </p:cNvSpPr>
+          <p:nvPr>
+            <p:ph type="subTitle" idx="1"/>
+          </p:nvPr>
+        </p:nvSpPr>
+        <p:spPr/>
+        <p:txBody>
+          <a:bodyPr/>
+          <a:lstStyle/>
+          <a:p>
+            <a:r>
+              <a:rPr lang="en-US" dirty="0"/>
+              <a:t> </a:t>
+            </a:r>
+          </a:p>
+        </p:txBody>
+      </p:sp>
+    </p:spTree>
+    <p:extLst>
+      <p:ext uri="{BB962C8B-B14F-4D97-AF65-F5344CB8AC3E}">
+        <p14:creationId xmlns:p14="http://schemas.microsoft.com/office/powerpoint/2010/main" val="3375566931"/>
       </p:ext>
     </p:extLst>
   </p:cSld>
@@ -13993,10 +14580,9 @@
           <a:lstStyle/>
           <a:p>
             <a:r>
-              <a:rPr lang="en-US" dirty="0" smtClean="0"/>
+              <a:rPr lang="en-US" dirty="0"/>
               <a:t>IC-TOA</a:t>
             </a:r>
-            <a:endParaRPr lang="en-US" dirty="0"/>
           </a:p>
         </p:txBody>
       </p:sp>
@@ -14021,42 +14607,41 @@
           <a:lstStyle/>
           <a:p>
             <a:r>
-              <a:rPr lang="en-US" dirty="0" smtClean="0"/>
+              <a:rPr lang="en-US" dirty="0"/>
               <a:t>Chad Harris, Gabriel Gallagher, Elijah </a:t>
             </a:r>
             <a:r>
-              <a:rPr lang="en-US" dirty="0" err="1" smtClean="0"/>
+              <a:rPr lang="en-US" dirty="0" err="1"/>
               <a:t>molloy</a:t>
             </a:r>
             <a:r>
-              <a:rPr lang="en-US" dirty="0" smtClean="0"/>
+              <a:rPr lang="en-US" dirty="0"/>
               <a:t>, </a:t>
             </a:r>
             <a:r>
-              <a:rPr lang="en-US" dirty="0" err="1" smtClean="0"/>
+              <a:rPr lang="en-US" dirty="0" err="1"/>
               <a:t>sean</a:t>
             </a:r>
             <a:r>
-              <a:rPr lang="en-US" dirty="0" smtClean="0"/>
+              <a:rPr lang="en-US" dirty="0"/>
               <a:t> </a:t>
             </a:r>
             <a:r>
-              <a:rPr lang="en-US" dirty="0" err="1" smtClean="0"/>
+              <a:rPr lang="en-US" dirty="0" err="1"/>
               <a:t>barton</a:t>
             </a:r>
             <a:r>
-              <a:rPr lang="en-US" dirty="0" smtClean="0"/>
+              <a:rPr lang="en-US" dirty="0"/>
               <a:t>, &amp; </a:t>
             </a:r>
             <a:r>
-              <a:rPr lang="en-US" dirty="0" err="1" smtClean="0"/>
+              <a:rPr lang="en-US" dirty="0" err="1"/>
               <a:t>regina</a:t>
             </a:r>
             <a:r>
-              <a:rPr lang="en-US" dirty="0" smtClean="0"/>
+              <a:rPr lang="en-US" dirty="0"/>
               <a:t> burns</a:t>
             </a:r>
-            <a:endParaRPr lang="en-US" dirty="0"/>
           </a:p>
         </p:txBody>
       </p:sp>
@@ -14216,11 +14801,11 @@
           <a:lstStyle/>
           <a:p>
             <a:r>
-              <a:rPr lang="en-US" dirty="0" smtClean="0"/>
+              <a:rPr lang="en-US" dirty="0"/>
               <a:t>[S]</a:t>
             </a:r>
             <a:r>
-              <a:rPr lang="en-US" dirty="0" err="1" smtClean="0"/>
+              <a:rPr lang="en-US" dirty="0" err="1"/>
               <a:t>quarelist</a:t>
             </a:r>
             <a:endParaRPr lang="en-US" dirty="0"/>
@@ -14245,32 +14830,20 @@
             <a:pPr marL="342900" lvl="4" indent="-342900"/>
             <a:r>
               <a:rPr lang="en-US" sz="2400" dirty="0"/>
-              <a:t>Online Consumer-2-Consumer listing </a:t>
-            </a:r>
-            <a:r>
-              <a:rPr lang="en-US" sz="2400" dirty="0" smtClean="0"/>
-              <a:t>platform</a:t>
+              <a:t>Online Consumer-2-Consumer listing platform</a:t>
             </a:r>
           </a:p>
           <a:p>
             <a:pPr marL="0" lvl="4" indent="0">
               <a:buNone/>
             </a:pPr>
-            <a:endParaRPr lang="en-US" dirty="0" smtClean="0"/>
+            <a:endParaRPr lang="en-US" dirty="0"/>
           </a:p>
           <a:p>
             <a:pPr marL="342900" lvl="4" indent="-342900"/>
             <a:r>
               <a:rPr lang="en-US" sz="2400" dirty="0"/>
-              <a:t>Local listings </a:t>
-            </a:r>
-            <a:r>
-              <a:rPr lang="en-US" sz="2400" dirty="0" smtClean="0"/>
-              <a:t>are main </a:t>
-            </a:r>
-            <a:r>
-              <a:rPr lang="en-US" sz="2400" dirty="0"/>
-              <a:t>focus</a:t>
+              <a:t>Local listings are main focus</a:t>
             </a:r>
           </a:p>
           <a:p>
@@ -14331,10 +14904,9 @@
           <a:p>
             <a:pPr algn="ctr"/>
             <a:r>
-              <a:rPr lang="en-US" dirty="0" smtClean="0"/>
+              <a:rPr lang="en-US" dirty="0"/>
               <a:t>Let’s Give it a Try!!</a:t>
             </a:r>
-            <a:endParaRPr lang="en-US" dirty="0"/>
           </a:p>
         </p:txBody>
       </p:sp>
@@ -14354,10 +14926,9 @@
           <a:lstStyle/>
           <a:p>
             <a:r>
-              <a:rPr lang="en-US" dirty="0" smtClean="0"/>
+              <a:rPr lang="en-US" dirty="0"/>
               <a:t> </a:t>
             </a:r>
-            <a:endParaRPr lang="en-US" dirty="0"/>
           </a:p>
         </p:txBody>
       </p:sp>
@@ -14407,10 +14978,9 @@
           <a:lstStyle/>
           <a:p>
             <a:r>
-              <a:rPr lang="en-US" dirty="0" smtClean="0"/>
+              <a:rPr lang="en-US" dirty="0"/>
               <a:t>Engineering</a:t>
             </a:r>
-            <a:endParaRPr lang="en-US" dirty="0"/>
           </a:p>
         </p:txBody>
       </p:sp>
@@ -14461,7 +15031,7 @@
           <a:lstStyle/>
           <a:p>
             <a:r>
-              <a:rPr lang="en-US" sz="2400" dirty="0" smtClean="0"/>
+              <a:rPr lang="en-US" sz="2400" dirty="0"/>
               <a:t>Open Source PHP Framework</a:t>
             </a:r>
           </a:p>
@@ -14470,10 +15040,9 @@
           </a:p>
           <a:p>
             <a:r>
-              <a:rPr lang="en-US" sz="2400" dirty="0" smtClean="0"/>
+              <a:rPr lang="en-US" sz="2400" dirty="0"/>
               <a:t>Integrates with MySQL and HTML for seamless web-to-database implementation</a:t>
             </a:r>
-            <a:endParaRPr lang="en-US" sz="2400" dirty="0"/>
           </a:p>
         </p:txBody>
       </p:sp>
@@ -14523,10 +15092,9 @@
           <a:lstStyle/>
           <a:p>
             <a:r>
-              <a:rPr lang="en-US" dirty="0" smtClean="0"/>
+              <a:rPr lang="en-US" dirty="0"/>
               <a:t>Methodologies</a:t>
             </a:r>
-            <a:endParaRPr lang="en-US" dirty="0"/>
           </a:p>
         </p:txBody>
       </p:sp>
@@ -14548,7 +15116,7 @@
           <a:lstStyle/>
           <a:p>
             <a:r>
-              <a:rPr lang="en-US" sz="2400" dirty="0" smtClean="0"/>
+              <a:rPr lang="en-US" sz="2400" dirty="0"/>
               <a:t>SCRUM Methodology</a:t>
             </a:r>
           </a:p>
@@ -14557,7 +15125,7 @@
           </a:p>
           <a:p>
             <a:r>
-              <a:rPr lang="en-US" sz="2400" dirty="0" smtClean="0"/>
+              <a:rPr lang="en-US" sz="2400" dirty="0"/>
               <a:t>Start by creating viable product</a:t>
             </a:r>
           </a:p>
@@ -14566,10 +15134,9 @@
           </a:p>
           <a:p>
             <a:r>
-              <a:rPr lang="en-US" sz="2400" dirty="0" smtClean="0"/>
+              <a:rPr lang="en-US" sz="2400" dirty="0"/>
               <a:t>Expand by adding tables, webpages, and PHP code</a:t>
             </a:r>
-            <a:endParaRPr lang="en-US" sz="2400" dirty="0"/>
           </a:p>
         </p:txBody>
       </p:sp>
@@ -14648,10 +15215,9 @@
           <a:lstStyle/>
           <a:p>
             <a:r>
-              <a:rPr lang="en-US" dirty="0" smtClean="0"/>
+              <a:rPr lang="en-US" dirty="0"/>
               <a:t>Test Results</a:t>
             </a:r>
-            <a:endParaRPr lang="en-US" dirty="0"/>
           </a:p>
         </p:txBody>
       </p:sp>
@@ -14739,10 +15305,9 @@
           <a:lstStyle/>
           <a:p>
             <a:r>
-              <a:rPr lang="en-US" dirty="0" smtClean="0"/>
-              <a:t>Conclusion</a:t>
-            </a:r>
-            <a:endParaRPr lang="en-US" dirty="0"/>
+              <a:rPr lang="en-US" dirty="0"/>
+              <a:t>Normalization	</a:t>
+            </a:r>
           </a:p>
         </p:txBody>
       </p:sp>
@@ -14762,17 +15327,122 @@
           <a:lstStyle/>
           <a:p>
             <a:r>
-              <a:rPr lang="en-US" dirty="0" smtClean="0"/>
-              <a:t> </a:t>
-            </a:r>
-            <a:endParaRPr lang="en-US" dirty="0"/>
+              <a:rPr lang="en-US" dirty="0"/>
+              <a:t>1NF, 2NF, 3NF…</a:t>
+            </a:r>
           </a:p>
         </p:txBody>
       </p:sp>
     </p:spTree>
     <p:extLst>
       <p:ext uri="{BB962C8B-B14F-4D97-AF65-F5344CB8AC3E}">
-        <p14:creationId xmlns:p14="http://schemas.microsoft.com/office/powerpoint/2010/main" val="3375566931"/>
+        <p14:creationId xmlns:p14="http://schemas.microsoft.com/office/powerpoint/2010/main" val="1534075022"/>
+      </p:ext>
+    </p:extLst>
+  </p:cSld>
+  <p:clrMapOvr>
+    <a:masterClrMapping/>
+  </p:clrMapOvr>
+</p:sld>
+</file>
+
+<file path=ppt/slides/slide9.xml><?xml version="1.0" encoding="utf-8"?>
+<p:sld xmlns:a="http://schemas.openxmlformats.org/drawingml/2006/main" xmlns:r="http://schemas.openxmlformats.org/officeDocument/2006/relationships" xmlns:p="http://schemas.openxmlformats.org/presentationml/2006/main">
+  <p:cSld>
+    <p:spTree>
+      <p:nvGrpSpPr>
+        <p:cNvPr id="1" name=""/>
+        <p:cNvGrpSpPr/>
+        <p:nvPr/>
+      </p:nvGrpSpPr>
+      <p:grpSpPr>
+        <a:xfrm>
+          <a:off x="0" y="0"/>
+          <a:ext cx="0" cy="0"/>
+          <a:chOff x="0" y="0"/>
+          <a:chExt cx="0" cy="0"/>
+        </a:xfrm>
+      </p:grpSpPr>
+      <p:sp>
+        <p:nvSpPr>
+          <p:cNvPr id="2" name="Title 1"/>
+          <p:cNvSpPr>
+            <a:spLocks noGrp="1"/>
+          </p:cNvSpPr>
+          <p:nvPr>
+            <p:ph type="title"/>
+          </p:nvPr>
+        </p:nvSpPr>
+        <p:spPr/>
+        <p:txBody>
+          <a:bodyPr/>
+          <a:lstStyle/>
+          <a:p>
+            <a:r>
+              <a:rPr lang="en-US" dirty="0"/>
+              <a:t>1</a:t>
+            </a:r>
+            <a:r>
+              <a:rPr lang="en-US" baseline="30000" dirty="0"/>
+              <a:t>st</a:t>
+            </a:r>
+            <a:r>
+              <a:rPr lang="en-US" dirty="0"/>
+              <a:t> Normal Form</a:t>
+            </a:r>
+          </a:p>
+        </p:txBody>
+      </p:sp>
+      <p:sp>
+        <p:nvSpPr>
+          <p:cNvPr id="3" name="Text Placeholder 2"/>
+          <p:cNvSpPr>
+            <a:spLocks noGrp="1"/>
+          </p:cNvSpPr>
+          <p:nvPr>
+            <p:ph type="body" idx="1"/>
+          </p:nvPr>
+        </p:nvSpPr>
+        <p:spPr/>
+        <p:txBody>
+          <a:bodyPr/>
+          <a:lstStyle/>
+          <a:p>
+            <a:pPr marL="342900" indent="-342900">
+              <a:buFont typeface="Wingdings 3" panose="05040102010807070707" pitchFamily="18" charset="2"/>
+              <a:buChar char="u"/>
+            </a:pPr>
+            <a:r>
+              <a:rPr lang="en-US" cap="none" dirty="0"/>
+              <a:t>Each cell must be Single Valued</a:t>
+            </a:r>
+          </a:p>
+          <a:p>
+            <a:pPr marL="342900" indent="-342900">
+              <a:buFont typeface="Wingdings 3" panose="05040102010807070707" pitchFamily="18" charset="2"/>
+              <a:buChar char="u"/>
+            </a:pPr>
+            <a:r>
+              <a:rPr lang="en-US" cap="none" dirty="0"/>
+              <a:t>Entries in a column must be same type</a:t>
+            </a:r>
+          </a:p>
+          <a:p>
+            <a:pPr marL="342900" indent="-342900">
+              <a:buFont typeface="Wingdings 3" panose="05040102010807070707" pitchFamily="18" charset="2"/>
+              <a:buChar char="u"/>
+            </a:pPr>
+            <a:r>
+              <a:rPr lang="en-US" cap="none" dirty="0"/>
+              <a:t>Rows Uniquely Identified</a:t>
+            </a:r>
+          </a:p>
+        </p:txBody>
+      </p:sp>
+    </p:spTree>
+    <p:extLst>
+      <p:ext uri="{BB962C8B-B14F-4D97-AF65-F5344CB8AC3E}">
+        <p14:creationId xmlns:p14="http://schemas.microsoft.com/office/powerpoint/2010/main" val="2972236507"/>
       </p:ext>
     </p:extLst>
   </p:cSld>
